--- a/논문 작성/그림과표_김영범.pptx
+++ b/논문 작성/그림과표_김영범.pptx
@@ -121,7 +121,7 @@
   </p:defaultTextStyle>
   <p:extLst>
     <p:ext uri="{EFAFB233-063F-42B5-8137-9DF3F51BA10A}">
-      <p15:sldGuideLst xmlns:p15="http://schemas.microsoft.com/office/powerpoint/2012/main">
+      <p15:sldGuideLst xmlns="" xmlns:p15="http://schemas.microsoft.com/office/powerpoint/2012/main">
         <p15:guide id="1" orient="horz" pos="2160">
           <p15:clr>
             <a:srgbClr val="A4A3A4"/>
@@ -135,7 +135,7 @@
       </p15:sldGuideLst>
     </p:ext>
     <p:ext uri="{2D200454-40CA-4A62-9FC3-DE9A4176ACB9}">
-      <p15:notesGuideLst xmlns:p15="http://schemas.microsoft.com/office/powerpoint/2012/main"/>
+      <p15:notesGuideLst xmlns="" xmlns:p15="http://schemas.microsoft.com/office/powerpoint/2012/main"/>
     </p:ext>
   </p:extLst>
 </p:presentation>
@@ -146,7 +146,7 @@
   <p:cmAuthor id="1" name="Kim YoungBum" initials="KY" lastIdx="1" clrIdx="0">
     <p:extLst>
       <p:ext uri="{19B8F6BF-5375-455C-9EA6-DF929625EA0E}">
-        <p15:presenceInfo xmlns:p15="http://schemas.microsoft.com/office/powerpoint/2012/main" userId="58bde64b80528bfe" providerId="Windows Live"/>
+        <p15:presenceInfo xmlns="" xmlns:p15="http://schemas.microsoft.com/office/powerpoint/2012/main" userId="58bde64b80528bfe" providerId="Windows Live"/>
       </p:ext>
     </p:extLst>
   </p:cmAuthor>
@@ -154,7 +154,7 @@
 </file>
 
 <file path=ppt/charts/chart1.xml><?xml version="1.0" encoding="utf-8"?>
-<c:chartSpace xmlns:c="http://schemas.openxmlformats.org/drawingml/2006/chart" xmlns:a="http://schemas.openxmlformats.org/drawingml/2006/main" xmlns:r="http://schemas.openxmlformats.org/officeDocument/2006/relationships" xmlns:c16r2="http://schemas.microsoft.com/office/drawing/2015/06/chart">
+<c:chartSpace xmlns:c="http://schemas.openxmlformats.org/drawingml/2006/chart" xmlns:a="http://schemas.openxmlformats.org/drawingml/2006/main" xmlns:r="http://schemas.openxmlformats.org/officeDocument/2006/relationships">
   <c:date1904 val="0"/>
   <c:lang val="ko-KR"/>
   <c:roundedCorners val="0"/>
@@ -233,7 +233,7 @@
               </c:numCache>
             </c:numRef>
           </c:val>
-          <c:extLst>
+          <c:extLst xmlns:c16r2="http://schemas.microsoft.com/office/drawing/2015/06/chart">
             <c:ext xmlns:c16="http://schemas.microsoft.com/office/drawing/2014/chart" uri="{C3380CC4-5D6E-409C-BE32-E72D297353CC}">
               <c16:uniqueId val="{00000000-B2D1-4161-90F4-B5B1C52DDDEB}"/>
             </c:ext>
@@ -300,7 +300,7 @@
               </c:numCache>
             </c:numRef>
           </c:val>
-          <c:extLst>
+          <c:extLst xmlns:c16r2="http://schemas.microsoft.com/office/drawing/2015/06/chart">
             <c:ext xmlns:c16="http://schemas.microsoft.com/office/drawing/2014/chart" uri="{C3380CC4-5D6E-409C-BE32-E72D297353CC}">
               <c16:uniqueId val="{00000001-B2D1-4161-90F4-B5B1C52DDDEB}"/>
             </c:ext>
@@ -365,7 +365,7 @@
               </c:numCache>
             </c:numRef>
           </c:val>
-          <c:extLst>
+          <c:extLst xmlns:c16r2="http://schemas.microsoft.com/office/drawing/2015/06/chart">
             <c:ext xmlns:c16="http://schemas.microsoft.com/office/drawing/2014/chart" uri="{C3380CC4-5D6E-409C-BE32-E72D297353CC}">
               <c16:uniqueId val="{00000002-B2D1-4161-90F4-B5B1C52DDDEB}"/>
             </c:ext>
@@ -430,7 +430,7 @@
               </c:numCache>
             </c:numRef>
           </c:val>
-          <c:extLst>
+          <c:extLst xmlns:c16r2="http://schemas.microsoft.com/office/drawing/2015/06/chart">
             <c:ext xmlns:c16="http://schemas.microsoft.com/office/drawing/2014/chart" uri="{C3380CC4-5D6E-409C-BE32-E72D297353CC}">
               <c16:uniqueId val="{00000000-33E7-4E57-B241-38F147A79863}"/>
             </c:ext>
@@ -446,11 +446,11 @@
         </c:dLbls>
         <c:gapWidth val="219"/>
         <c:overlap val="-27"/>
-        <c:axId val="233992576"/>
-        <c:axId val="233994112"/>
+        <c:axId val="155413504"/>
+        <c:axId val="155423488"/>
       </c:barChart>
       <c:catAx>
-        <c:axId val="233992576"/>
+        <c:axId val="155413504"/>
         <c:scaling>
           <c:orientation val="minMax"/>
         </c:scaling>
@@ -507,7 +507,7 @@
             <a:endParaRPr lang="ko-KR"/>
           </a:p>
         </c:txPr>
-        <c:crossAx val="233994112"/>
+        <c:crossAx val="155423488"/>
         <c:crosses val="autoZero"/>
         <c:auto val="1"/>
         <c:lblAlgn val="ctr"/>
@@ -515,7 +515,7 @@
         <c:noMultiLvlLbl val="0"/>
       </c:catAx>
       <c:valAx>
-        <c:axId val="233994112"/>
+        <c:axId val="155423488"/>
         <c:scaling>
           <c:orientation val="minMax"/>
           <c:max val="140"/>
@@ -567,7 +567,7 @@
             <a:endParaRPr lang="ko-KR"/>
           </a:p>
         </c:txPr>
-        <c:crossAx val="233992576"/>
+        <c:crossAx val="155413504"/>
         <c:crosses val="autoZero"/>
         <c:crossBetween val="between"/>
       </c:valAx>
@@ -641,14 +641,14 @@
       <a:endParaRPr lang="ko-KR"/>
     </a:p>
   </c:txPr>
-  <c:externalData r:id="rId3">
+  <c:externalData r:id="rId1">
     <c:autoUpdate val="0"/>
   </c:externalData>
 </c:chartSpace>
 </file>
 
 <file path=ppt/charts/chart2.xml><?xml version="1.0" encoding="utf-8"?>
-<c:chartSpace xmlns:c="http://schemas.openxmlformats.org/drawingml/2006/chart" xmlns:a="http://schemas.openxmlformats.org/drawingml/2006/main" xmlns:r="http://schemas.openxmlformats.org/officeDocument/2006/relationships" xmlns:c16r2="http://schemas.microsoft.com/office/drawing/2015/06/chart">
+<c:chartSpace xmlns:c="http://schemas.openxmlformats.org/drawingml/2006/chart" xmlns:a="http://schemas.openxmlformats.org/drawingml/2006/main" xmlns:r="http://schemas.openxmlformats.org/officeDocument/2006/relationships">
   <c:date1904 val="0"/>
   <c:lang val="ko-KR"/>
   <c:roundedCorners val="0"/>
@@ -694,7 +694,7 @@
               </a:ln>
               <a:effectLst/>
             </c:spPr>
-            <c:extLst>
+            <c:extLst xmlns:c16r2="http://schemas.microsoft.com/office/drawing/2015/06/chart">
               <c:ext xmlns:c16="http://schemas.microsoft.com/office/drawing/2014/chart" uri="{C3380CC4-5D6E-409C-BE32-E72D297353CC}">
                 <c16:uniqueId val="{00000001-D885-4D73-83E5-4F2FC8B99003}"/>
               </c:ext>
@@ -714,7 +714,7 @@
               </a:ln>
               <a:effectLst/>
             </c:spPr>
-            <c:extLst>
+            <c:extLst xmlns:c16r2="http://schemas.microsoft.com/office/drawing/2015/06/chart">
               <c:ext xmlns:c16="http://schemas.microsoft.com/office/drawing/2014/chart" uri="{C3380CC4-5D6E-409C-BE32-E72D297353CC}">
                 <c16:uniqueId val="{00000003-D885-4D73-83E5-4F2FC8B99003}"/>
               </c:ext>
@@ -734,7 +734,7 @@
               </a:ln>
               <a:effectLst/>
             </c:spPr>
-            <c:extLst>
+            <c:extLst xmlns:c16r2="http://schemas.microsoft.com/office/drawing/2015/06/chart">
               <c:ext xmlns:c16="http://schemas.microsoft.com/office/drawing/2014/chart" uri="{C3380CC4-5D6E-409C-BE32-E72D297353CC}">
                 <c16:uniqueId val="{00000005-D885-4D73-83E5-4F2FC8B99003}"/>
               </c:ext>
@@ -754,7 +754,7 @@
               </a:ln>
               <a:effectLst/>
             </c:spPr>
-            <c:extLst>
+            <c:extLst xmlns:c16r2="http://schemas.microsoft.com/office/drawing/2015/06/chart">
               <c:ext xmlns:c16="http://schemas.microsoft.com/office/drawing/2014/chart" uri="{C3380CC4-5D6E-409C-BE32-E72D297353CC}">
                 <c16:uniqueId val="{00000007-D885-4D73-83E5-4F2FC8B99003}"/>
               </c:ext>
@@ -801,7 +801,7 @@
               </c:numCache>
             </c:numRef>
           </c:val>
-          <c:extLst>
+          <c:extLst xmlns:c16r2="http://schemas.microsoft.com/office/drawing/2015/06/chart">
             <c:ext xmlns:c16="http://schemas.microsoft.com/office/drawing/2014/chart" uri="{C3380CC4-5D6E-409C-BE32-E72D297353CC}">
               <c16:uniqueId val="{00000008-D885-4D73-83E5-4F2FC8B99003}"/>
             </c:ext>
@@ -854,7 +854,7 @@
 </file>
 
 <file path=ppt/charts/chart3.xml><?xml version="1.0" encoding="utf-8"?>
-<c:chartSpace xmlns:c="http://schemas.openxmlformats.org/drawingml/2006/chart" xmlns:a="http://schemas.openxmlformats.org/drawingml/2006/main" xmlns:r="http://schemas.openxmlformats.org/officeDocument/2006/relationships" xmlns:c16r2="http://schemas.microsoft.com/office/drawing/2015/06/chart">
+<c:chartSpace xmlns:c="http://schemas.openxmlformats.org/drawingml/2006/chart" xmlns:a="http://schemas.openxmlformats.org/drawingml/2006/main" xmlns:r="http://schemas.openxmlformats.org/officeDocument/2006/relationships">
   <c:date1904 val="0"/>
   <c:lang val="ko-KR"/>
   <c:roundedCorners val="0"/>
@@ -900,7 +900,7 @@
               </a:ln>
               <a:effectLst/>
             </c:spPr>
-            <c:extLst>
+            <c:extLst xmlns:c16r2="http://schemas.microsoft.com/office/drawing/2015/06/chart">
               <c:ext xmlns:c16="http://schemas.microsoft.com/office/drawing/2014/chart" uri="{C3380CC4-5D6E-409C-BE32-E72D297353CC}">
                 <c16:uniqueId val="{00000001-1792-4C58-A23F-84C9612BC9D3}"/>
               </c:ext>
@@ -920,7 +920,7 @@
               </a:ln>
               <a:effectLst/>
             </c:spPr>
-            <c:extLst>
+            <c:extLst xmlns:c16r2="http://schemas.microsoft.com/office/drawing/2015/06/chart">
               <c:ext xmlns:c16="http://schemas.microsoft.com/office/drawing/2014/chart" uri="{C3380CC4-5D6E-409C-BE32-E72D297353CC}">
                 <c16:uniqueId val="{00000003-1792-4C58-A23F-84C9612BC9D3}"/>
               </c:ext>
@@ -940,7 +940,7 @@
               </a:ln>
               <a:effectLst/>
             </c:spPr>
-            <c:extLst>
+            <c:extLst xmlns:c16r2="http://schemas.microsoft.com/office/drawing/2015/06/chart">
               <c:ext xmlns:c16="http://schemas.microsoft.com/office/drawing/2014/chart" uri="{C3380CC4-5D6E-409C-BE32-E72D297353CC}">
                 <c16:uniqueId val="{00000005-1792-4C58-A23F-84C9612BC9D3}"/>
               </c:ext>
@@ -960,7 +960,7 @@
               </a:ln>
               <a:effectLst/>
             </c:spPr>
-            <c:extLst>
+            <c:extLst xmlns:c16r2="http://schemas.microsoft.com/office/drawing/2015/06/chart">
               <c:ext xmlns:c16="http://schemas.microsoft.com/office/drawing/2014/chart" uri="{C3380CC4-5D6E-409C-BE32-E72D297353CC}">
                 <c16:uniqueId val="{00000007-1792-4C58-A23F-84C9612BC9D3}"/>
               </c:ext>
@@ -1007,7 +1007,7 @@
               </c:numCache>
             </c:numRef>
           </c:val>
-          <c:extLst>
+          <c:extLst xmlns:c16r2="http://schemas.microsoft.com/office/drawing/2015/06/chart">
             <c:ext xmlns:c16="http://schemas.microsoft.com/office/drawing/2014/chart" uri="{C3380CC4-5D6E-409C-BE32-E72D297353CC}">
               <c16:uniqueId val="{00000008-1792-4C58-A23F-84C9612BC9D3}"/>
             </c:ext>
@@ -1684,7 +1684,7 @@
           <a:p>
             <a:fld id="{413548A9-17B7-486F-BAE8-5C551821AB5E}" type="datetimeFigureOut">
               <a:rPr lang="ko-KR" altLang="en-US" smtClean="0"/>
-              <a:t>2020-08-06</a:t>
+              <a:t>2020-08-08</a:t>
             </a:fld>
             <a:endParaRPr lang="ko-KR" altLang="en-US"/>
           </a:p>
@@ -2425,7 +2425,7 @@
                   </a:prstClr>
                 </a:solidFill>
               </a:rPr>
-              <a:t>2020-08-06</a:t>
+              <a:t>2020-08-08</a:t>
             </a:fld>
             <a:endParaRPr lang="ko-KR" altLang="en-US">
               <a:solidFill>
@@ -2590,7 +2590,7 @@
                   </a:prstClr>
                 </a:solidFill>
               </a:rPr>
-              <a:t>2020-08-06</a:t>
+              <a:t>2020-08-08</a:t>
             </a:fld>
             <a:endParaRPr lang="ko-KR" altLang="en-US">
               <a:solidFill>
@@ -2765,7 +2765,7 @@
                   </a:prstClr>
                 </a:solidFill>
               </a:rPr>
-              <a:t>2020-08-06</a:t>
+              <a:t>2020-08-08</a:t>
             </a:fld>
             <a:endParaRPr lang="ko-KR" altLang="en-US">
               <a:solidFill>
@@ -2930,7 +2930,7 @@
                   </a:prstClr>
                 </a:solidFill>
               </a:rPr>
-              <a:t>2020-08-06</a:t>
+              <a:t>2020-08-08</a:t>
             </a:fld>
             <a:endParaRPr lang="ko-KR" altLang="en-US">
               <a:solidFill>
@@ -3171,7 +3171,7 @@
                   </a:prstClr>
                 </a:solidFill>
               </a:rPr>
-              <a:t>2020-08-06</a:t>
+              <a:t>2020-08-08</a:t>
             </a:fld>
             <a:endParaRPr lang="ko-KR" altLang="en-US">
               <a:solidFill>
@@ -3398,7 +3398,7 @@
                   </a:prstClr>
                 </a:solidFill>
               </a:rPr>
-              <a:t>2020-08-06</a:t>
+              <a:t>2020-08-08</a:t>
             </a:fld>
             <a:endParaRPr lang="ko-KR" altLang="en-US">
               <a:solidFill>
@@ -3760,7 +3760,7 @@
                   </a:prstClr>
                 </a:solidFill>
               </a:rPr>
-              <a:t>2020-08-06</a:t>
+              <a:t>2020-08-08</a:t>
             </a:fld>
             <a:endParaRPr lang="ko-KR" altLang="en-US">
               <a:solidFill>
@@ -3873,7 +3873,7 @@
                   </a:prstClr>
                 </a:solidFill>
               </a:rPr>
-              <a:t>2020-08-06</a:t>
+              <a:t>2020-08-08</a:t>
             </a:fld>
             <a:endParaRPr lang="ko-KR" altLang="en-US">
               <a:solidFill>
@@ -3963,7 +3963,7 @@
                   </a:prstClr>
                 </a:solidFill>
               </a:rPr>
-              <a:t>2020-08-06</a:t>
+              <a:t>2020-08-08</a:t>
             </a:fld>
             <a:endParaRPr lang="ko-KR" altLang="en-US">
               <a:solidFill>
@@ -4235,7 +4235,7 @@
                   </a:prstClr>
                 </a:solidFill>
               </a:rPr>
-              <a:t>2020-08-06</a:t>
+              <a:t>2020-08-08</a:t>
             </a:fld>
             <a:endParaRPr lang="ko-KR" altLang="en-US">
               <a:solidFill>
@@ -4483,7 +4483,7 @@
                   </a:prstClr>
                 </a:solidFill>
               </a:rPr>
-              <a:t>2020-08-06</a:t>
+              <a:t>2020-08-08</a:t>
             </a:fld>
             <a:endParaRPr lang="ko-KR" altLang="en-US">
               <a:solidFill>
@@ -4691,7 +4691,7 @@
                   </a:prstClr>
                 </a:solidFill>
               </a:rPr>
-              <a:t>2020-08-06</a:t>
+              <a:t>2020-08-08</a:t>
             </a:fld>
             <a:endParaRPr lang="ko-KR" altLang="en-US">
               <a:solidFill>
@@ -5241,7 +5241,7 @@
             <p:cNvPr id="7" name="직사각형 6">
               <a:extLst>
                 <a:ext uri="{FF2B5EF4-FFF2-40B4-BE49-F238E27FC236}">
-                  <a16:creationId xmlns:a16="http://schemas.microsoft.com/office/drawing/2014/main" id="{3FA00699-5178-465A-9F3F-130CF1431F70}"/>
+                  <a16:creationId xmlns="" xmlns:a16="http://schemas.microsoft.com/office/drawing/2014/main" id="{3FA00699-5178-465A-9F3F-130CF1431F70}"/>
                 </a:ext>
               </a:extLst>
             </p:cNvPr>
@@ -5347,7 +5347,7 @@
             <p:cNvPr id="26" name="직사각형 25">
               <a:extLst>
                 <a:ext uri="{FF2B5EF4-FFF2-40B4-BE49-F238E27FC236}">
-                  <a16:creationId xmlns:a16="http://schemas.microsoft.com/office/drawing/2014/main" id="{3FA00699-5178-465A-9F3F-130CF1431F70}"/>
+                  <a16:creationId xmlns="" xmlns:a16="http://schemas.microsoft.com/office/drawing/2014/main" id="{3FA00699-5178-465A-9F3F-130CF1431F70}"/>
                 </a:ext>
               </a:extLst>
             </p:cNvPr>
@@ -5380,21 +5380,8 @@
                     <a:sysClr val="windowText" lastClr="000000"/>
                   </a:solidFill>
                 </a:rPr>
-                <a:t>Set</a:t>
+                <a:t>Setup Time</a:t>
               </a:r>
-              <a:r>
-                <a:rPr lang="en-US" altLang="ko-KR" sz="3600" b="1" dirty="0" smtClean="0">
-                  <a:solidFill>
-                    <a:sysClr val="windowText" lastClr="000000"/>
-                  </a:solidFill>
-                </a:rPr>
-                <a:t>up Time</a:t>
-              </a:r>
-              <a:endParaRPr lang="en-US" altLang="ko-KR" sz="3600" b="1" dirty="0" smtClean="0">
-                <a:solidFill>
-                  <a:sysClr val="windowText" lastClr="000000"/>
-                </a:solidFill>
-              </a:endParaRPr>
             </a:p>
           </p:txBody>
         </p:sp>
@@ -5407,10 +5394,10 @@
         </p:nvGrpSpPr>
         <p:grpSpPr>
           <a:xfrm>
-            <a:off x="8449256" y="4971392"/>
-            <a:ext cx="2802994" cy="1131118"/>
-            <a:chOff x="7428329" y="4537587"/>
-            <a:chExt cx="2802994" cy="787717"/>
+            <a:off x="7798822" y="4696347"/>
+            <a:ext cx="4103862" cy="1647245"/>
+            <a:chOff x="7288180" y="4346045"/>
+            <a:chExt cx="3083293" cy="1147151"/>
           </a:xfrm>
         </p:grpSpPr>
         <p:sp>
@@ -5461,7 +5448,7 @@
             <p:cNvPr id="28" name="직사각형 27">
               <a:extLst>
                 <a:ext uri="{FF2B5EF4-FFF2-40B4-BE49-F238E27FC236}">
-                  <a16:creationId xmlns:a16="http://schemas.microsoft.com/office/drawing/2014/main" id="{3FA00699-5178-465A-9F3F-130CF1431F70}"/>
+                  <a16:creationId xmlns="" xmlns:a16="http://schemas.microsoft.com/office/drawing/2014/main" id="{3FA00699-5178-465A-9F3F-130CF1431F70}"/>
                 </a:ext>
               </a:extLst>
             </p:cNvPr>
@@ -5470,8 +5457,8 @@
           </p:nvSpPr>
           <p:spPr>
             <a:xfrm>
-              <a:off x="7428329" y="4635401"/>
-              <a:ext cx="2802994" cy="568440"/>
+              <a:off x="7288180" y="4346045"/>
+              <a:ext cx="3083293" cy="1147151"/>
             </a:xfrm>
             <a:prstGeom prst="rect">
               <a:avLst/>
@@ -5494,7 +5481,7 @@
                     <a:sysClr val="windowText" lastClr="000000"/>
                   </a:solidFill>
                 </a:rPr>
-                <a:t>Control</a:t>
+                <a:t>Control View</a:t>
               </a:r>
             </a:p>
           </p:txBody>
@@ -9449,13 +9436,6 @@
               </a:rPr>
               <a:t>Slapstick</a:t>
             </a:r>
-            <a:endParaRPr lang="en-US" altLang="ko-KR" sz="2400" b="1" dirty="0" smtClean="0">
-              <a:solidFill>
-                <a:schemeClr val="bg1"/>
-              </a:solidFill>
-              <a:latin typeface="Arial" panose="020B0604020202020204" pitchFamily="34" charset="0"/>
-              <a:cs typeface="Arial" panose="020B0604020202020204" pitchFamily="34" charset="0"/>
-            </a:endParaRPr>
           </a:p>
         </p:txBody>
       </p:sp>
@@ -10115,8 +10095,8 @@
         </p:nvSpPr>
         <p:spPr>
           <a:xfrm rot="5400000">
-            <a:off x="7022392" y="3016656"/>
-            <a:ext cx="2508473" cy="461665"/>
+            <a:off x="6759002" y="3016656"/>
+            <a:ext cx="3035252" cy="461665"/>
           </a:xfrm>
           <a:prstGeom prst="rect">
             <a:avLst/>
@@ -10135,7 +10115,14 @@
                 <a:latin typeface="Times New Roman" panose="02020603050405020304" pitchFamily="18" charset="0"/>
                 <a:cs typeface="Times New Roman" panose="02020603050405020304" pitchFamily="18" charset="0"/>
               </a:rPr>
-              <a:t>Number of video</a:t>
+              <a:t>Number of </a:t>
+            </a:r>
+            <a:r>
+              <a:rPr lang="en-US" altLang="ko-KR" sz="2400" b="1" dirty="0" smtClean="0">
+                <a:latin typeface="Times New Roman" panose="02020603050405020304" pitchFamily="18" charset="0"/>
+                <a:cs typeface="Times New Roman" panose="02020603050405020304" pitchFamily="18" charset="0"/>
+              </a:rPr>
+              <a:t>moments</a:t>
             </a:r>
           </a:p>
         </p:txBody>
@@ -10456,17 +10443,7 @@
                 <a:latin typeface="Arial" panose="020B0604020202020204" pitchFamily="34" charset="0"/>
                 <a:cs typeface="Arial" panose="020B0604020202020204" pitchFamily="34" charset="0"/>
               </a:rPr>
-              <a:t>143 </a:t>
-            </a:r>
-            <a:r>
-              <a:rPr lang="en-US" altLang="ko-KR" sz="2400" b="1" dirty="0" smtClean="0">
-                <a:solidFill>
-                  <a:schemeClr val="bg1"/>
-                </a:solidFill>
-                <a:latin typeface="Arial" panose="020B0604020202020204" pitchFamily="34" charset="0"/>
-                <a:cs typeface="Arial" panose="020B0604020202020204" pitchFamily="34" charset="0"/>
-              </a:rPr>
-              <a:t>K</a:t>
+              <a:t>143 K</a:t>
             </a:r>
             <a:endParaRPr lang="en-US" altLang="ko-KR" sz="2400" b="1" dirty="0">
               <a:solidFill>
@@ -12542,7 +12519,7 @@
   <a:extraClrSchemeLst/>
   <a:extLst>
     <a:ext uri="{05A4C25C-085E-4340-85A3-A5531E510DB2}">
-      <thm15:themeFamily xmlns:thm15="http://schemas.microsoft.com/office/thememl/2012/main" name="Office Theme" id="{62F939B6-93AF-4DB8-9C6B-D6C7DFDC589F}" vid="{4A3C46E8-61CC-4603-A589-7422A47A8E4A}"/>
+      <thm15:themeFamily xmlns="" xmlns:thm15="http://schemas.microsoft.com/office/thememl/2012/main" name="Office Theme" id="{62F939B6-93AF-4DB8-9C6B-D6C7DFDC589F}" vid="{4A3C46E8-61CC-4603-A589-7422A47A8E4A}"/>
     </a:ext>
   </a:extLst>
 </a:theme>
@@ -12803,7 +12780,7 @@
   <a:extraClrSchemeLst/>
   <a:extLst>
     <a:ext uri="{05A4C25C-085E-4340-85A3-A5531E510DB2}">
-      <thm15:themeFamily xmlns:thm15="http://schemas.microsoft.com/office/thememl/2012/main" name="Office Theme" id="{62F939B6-93AF-4DB8-9C6B-D6C7DFDC589F}" vid="{4A3C46E8-61CC-4603-A589-7422A47A8E4A}"/>
+      <thm15:themeFamily xmlns="" xmlns:thm15="http://schemas.microsoft.com/office/thememl/2012/main" name="Office Theme" id="{62F939B6-93AF-4DB8-9C6B-D6C7DFDC589F}" vid="{4A3C46E8-61CC-4603-A589-7422A47A8E4A}"/>
     </a:ext>
   </a:extLst>
 </a:theme>

--- a/논문 작성/그림과표_김영범.pptx
+++ b/논문 작성/그림과표_김영범.pptx
@@ -121,7 +121,7 @@
   </p:defaultTextStyle>
   <p:extLst>
     <p:ext uri="{EFAFB233-063F-42B5-8137-9DF3F51BA10A}">
-      <p15:sldGuideLst xmlns="" xmlns:p15="http://schemas.microsoft.com/office/powerpoint/2012/main">
+      <p15:sldGuideLst xmlns:p15="http://schemas.microsoft.com/office/powerpoint/2012/main">
         <p15:guide id="1" orient="horz" pos="2160">
           <p15:clr>
             <a:srgbClr val="A4A3A4"/>
@@ -135,7 +135,7 @@
       </p15:sldGuideLst>
     </p:ext>
     <p:ext uri="{2D200454-40CA-4A62-9FC3-DE9A4176ACB9}">
-      <p15:notesGuideLst xmlns="" xmlns:p15="http://schemas.microsoft.com/office/powerpoint/2012/main"/>
+      <p15:notesGuideLst xmlns:p15="http://schemas.microsoft.com/office/powerpoint/2012/main"/>
     </p:ext>
   </p:extLst>
 </p:presentation>
@@ -146,7 +146,7 @@
   <p:cmAuthor id="1" name="Kim YoungBum" initials="KY" lastIdx="1" clrIdx="0">
     <p:extLst>
       <p:ext uri="{19B8F6BF-5375-455C-9EA6-DF929625EA0E}">
-        <p15:presenceInfo xmlns="" xmlns:p15="http://schemas.microsoft.com/office/powerpoint/2012/main" userId="58bde64b80528bfe" providerId="Windows Live"/>
+        <p15:presenceInfo xmlns:p15="http://schemas.microsoft.com/office/powerpoint/2012/main" userId="58bde64b80528bfe" providerId="Windows Live"/>
       </p:ext>
     </p:extLst>
   </p:cmAuthor>
@@ -154,7 +154,7 @@
 </file>
 
 <file path=ppt/charts/chart1.xml><?xml version="1.0" encoding="utf-8"?>
-<c:chartSpace xmlns:c="http://schemas.openxmlformats.org/drawingml/2006/chart" xmlns:a="http://schemas.openxmlformats.org/drawingml/2006/main" xmlns:r="http://schemas.openxmlformats.org/officeDocument/2006/relationships">
+<c:chartSpace xmlns:c="http://schemas.openxmlformats.org/drawingml/2006/chart" xmlns:a="http://schemas.openxmlformats.org/drawingml/2006/main" xmlns:r="http://schemas.openxmlformats.org/officeDocument/2006/relationships" xmlns:c16r2="http://schemas.microsoft.com/office/drawing/2015/06/chart">
   <c:date1904 val="0"/>
   <c:lang val="ko-KR"/>
   <c:roundedCorners val="0"/>
@@ -233,7 +233,7 @@
               </c:numCache>
             </c:numRef>
           </c:val>
-          <c:extLst xmlns:c16r2="http://schemas.microsoft.com/office/drawing/2015/06/chart">
+          <c:extLst>
             <c:ext xmlns:c16="http://schemas.microsoft.com/office/drawing/2014/chart" uri="{C3380CC4-5D6E-409C-BE32-E72D297353CC}">
               <c16:uniqueId val="{00000000-B2D1-4161-90F4-B5B1C52DDDEB}"/>
             </c:ext>
@@ -300,7 +300,7 @@
               </c:numCache>
             </c:numRef>
           </c:val>
-          <c:extLst xmlns:c16r2="http://schemas.microsoft.com/office/drawing/2015/06/chart">
+          <c:extLst>
             <c:ext xmlns:c16="http://schemas.microsoft.com/office/drawing/2014/chart" uri="{C3380CC4-5D6E-409C-BE32-E72D297353CC}">
               <c16:uniqueId val="{00000001-B2D1-4161-90F4-B5B1C52DDDEB}"/>
             </c:ext>
@@ -365,7 +365,7 @@
               </c:numCache>
             </c:numRef>
           </c:val>
-          <c:extLst xmlns:c16r2="http://schemas.microsoft.com/office/drawing/2015/06/chart">
+          <c:extLst>
             <c:ext xmlns:c16="http://schemas.microsoft.com/office/drawing/2014/chart" uri="{C3380CC4-5D6E-409C-BE32-E72D297353CC}">
               <c16:uniqueId val="{00000002-B2D1-4161-90F4-B5B1C52DDDEB}"/>
             </c:ext>
@@ -430,7 +430,7 @@
               </c:numCache>
             </c:numRef>
           </c:val>
-          <c:extLst xmlns:c16r2="http://schemas.microsoft.com/office/drawing/2015/06/chart">
+          <c:extLst>
             <c:ext xmlns:c16="http://schemas.microsoft.com/office/drawing/2014/chart" uri="{C3380CC4-5D6E-409C-BE32-E72D297353CC}">
               <c16:uniqueId val="{00000000-33E7-4E57-B241-38F147A79863}"/>
             </c:ext>
@@ -641,14 +641,14 @@
       <a:endParaRPr lang="ko-KR"/>
     </a:p>
   </c:txPr>
-  <c:externalData r:id="rId1">
+  <c:externalData r:id="rId3">
     <c:autoUpdate val="0"/>
   </c:externalData>
 </c:chartSpace>
 </file>
 
 <file path=ppt/charts/chart2.xml><?xml version="1.0" encoding="utf-8"?>
-<c:chartSpace xmlns:c="http://schemas.openxmlformats.org/drawingml/2006/chart" xmlns:a="http://schemas.openxmlformats.org/drawingml/2006/main" xmlns:r="http://schemas.openxmlformats.org/officeDocument/2006/relationships">
+<c:chartSpace xmlns:c="http://schemas.openxmlformats.org/drawingml/2006/chart" xmlns:a="http://schemas.openxmlformats.org/drawingml/2006/main" xmlns:r="http://schemas.openxmlformats.org/officeDocument/2006/relationships" xmlns:c16r2="http://schemas.microsoft.com/office/drawing/2015/06/chart">
   <c:date1904 val="0"/>
   <c:lang val="ko-KR"/>
   <c:roundedCorners val="0"/>
@@ -694,7 +694,7 @@
               </a:ln>
               <a:effectLst/>
             </c:spPr>
-            <c:extLst xmlns:c16r2="http://schemas.microsoft.com/office/drawing/2015/06/chart">
+            <c:extLst>
               <c:ext xmlns:c16="http://schemas.microsoft.com/office/drawing/2014/chart" uri="{C3380CC4-5D6E-409C-BE32-E72D297353CC}">
                 <c16:uniqueId val="{00000001-D885-4D73-83E5-4F2FC8B99003}"/>
               </c:ext>
@@ -714,7 +714,7 @@
               </a:ln>
               <a:effectLst/>
             </c:spPr>
-            <c:extLst xmlns:c16r2="http://schemas.microsoft.com/office/drawing/2015/06/chart">
+            <c:extLst>
               <c:ext xmlns:c16="http://schemas.microsoft.com/office/drawing/2014/chart" uri="{C3380CC4-5D6E-409C-BE32-E72D297353CC}">
                 <c16:uniqueId val="{00000003-D885-4D73-83E5-4F2FC8B99003}"/>
               </c:ext>
@@ -734,7 +734,7 @@
               </a:ln>
               <a:effectLst/>
             </c:spPr>
-            <c:extLst xmlns:c16r2="http://schemas.microsoft.com/office/drawing/2015/06/chart">
+            <c:extLst>
               <c:ext xmlns:c16="http://schemas.microsoft.com/office/drawing/2014/chart" uri="{C3380CC4-5D6E-409C-BE32-E72D297353CC}">
                 <c16:uniqueId val="{00000005-D885-4D73-83E5-4F2FC8B99003}"/>
               </c:ext>
@@ -754,7 +754,7 @@
               </a:ln>
               <a:effectLst/>
             </c:spPr>
-            <c:extLst xmlns:c16r2="http://schemas.microsoft.com/office/drawing/2015/06/chart">
+            <c:extLst>
               <c:ext xmlns:c16="http://schemas.microsoft.com/office/drawing/2014/chart" uri="{C3380CC4-5D6E-409C-BE32-E72D297353CC}">
                 <c16:uniqueId val="{00000007-D885-4D73-83E5-4F2FC8B99003}"/>
               </c:ext>
@@ -801,7 +801,7 @@
               </c:numCache>
             </c:numRef>
           </c:val>
-          <c:extLst xmlns:c16r2="http://schemas.microsoft.com/office/drawing/2015/06/chart">
+          <c:extLst>
             <c:ext xmlns:c16="http://schemas.microsoft.com/office/drawing/2014/chart" uri="{C3380CC4-5D6E-409C-BE32-E72D297353CC}">
               <c16:uniqueId val="{00000008-D885-4D73-83E5-4F2FC8B99003}"/>
             </c:ext>
@@ -854,7 +854,7 @@
 </file>
 
 <file path=ppt/charts/chart3.xml><?xml version="1.0" encoding="utf-8"?>
-<c:chartSpace xmlns:c="http://schemas.openxmlformats.org/drawingml/2006/chart" xmlns:a="http://schemas.openxmlformats.org/drawingml/2006/main" xmlns:r="http://schemas.openxmlformats.org/officeDocument/2006/relationships">
+<c:chartSpace xmlns:c="http://schemas.openxmlformats.org/drawingml/2006/chart" xmlns:a="http://schemas.openxmlformats.org/drawingml/2006/main" xmlns:r="http://schemas.openxmlformats.org/officeDocument/2006/relationships" xmlns:c16r2="http://schemas.microsoft.com/office/drawing/2015/06/chart">
   <c:date1904 val="0"/>
   <c:lang val="ko-KR"/>
   <c:roundedCorners val="0"/>
@@ -900,7 +900,7 @@
               </a:ln>
               <a:effectLst/>
             </c:spPr>
-            <c:extLst xmlns:c16r2="http://schemas.microsoft.com/office/drawing/2015/06/chart">
+            <c:extLst>
               <c:ext xmlns:c16="http://schemas.microsoft.com/office/drawing/2014/chart" uri="{C3380CC4-5D6E-409C-BE32-E72D297353CC}">
                 <c16:uniqueId val="{00000001-1792-4C58-A23F-84C9612BC9D3}"/>
               </c:ext>
@@ -920,7 +920,7 @@
               </a:ln>
               <a:effectLst/>
             </c:spPr>
-            <c:extLst xmlns:c16r2="http://schemas.microsoft.com/office/drawing/2015/06/chart">
+            <c:extLst>
               <c:ext xmlns:c16="http://schemas.microsoft.com/office/drawing/2014/chart" uri="{C3380CC4-5D6E-409C-BE32-E72D297353CC}">
                 <c16:uniqueId val="{00000003-1792-4C58-A23F-84C9612BC9D3}"/>
               </c:ext>
@@ -940,7 +940,7 @@
               </a:ln>
               <a:effectLst/>
             </c:spPr>
-            <c:extLst xmlns:c16r2="http://schemas.microsoft.com/office/drawing/2015/06/chart">
+            <c:extLst>
               <c:ext xmlns:c16="http://schemas.microsoft.com/office/drawing/2014/chart" uri="{C3380CC4-5D6E-409C-BE32-E72D297353CC}">
                 <c16:uniqueId val="{00000005-1792-4C58-A23F-84C9612BC9D3}"/>
               </c:ext>
@@ -960,7 +960,7 @@
               </a:ln>
               <a:effectLst/>
             </c:spPr>
-            <c:extLst xmlns:c16r2="http://schemas.microsoft.com/office/drawing/2015/06/chart">
+            <c:extLst>
               <c:ext xmlns:c16="http://schemas.microsoft.com/office/drawing/2014/chart" uri="{C3380CC4-5D6E-409C-BE32-E72D297353CC}">
                 <c16:uniqueId val="{00000007-1792-4C58-A23F-84C9612BC9D3}"/>
               </c:ext>
@@ -1007,7 +1007,7 @@
               </c:numCache>
             </c:numRef>
           </c:val>
-          <c:extLst xmlns:c16r2="http://schemas.microsoft.com/office/drawing/2015/06/chart">
+          <c:extLst>
             <c:ext xmlns:c16="http://schemas.microsoft.com/office/drawing/2014/chart" uri="{C3380CC4-5D6E-409C-BE32-E72D297353CC}">
               <c16:uniqueId val="{00000008-1792-4C58-A23F-84C9612BC9D3}"/>
             </c:ext>
@@ -1684,7 +1684,7 @@
           <a:p>
             <a:fld id="{413548A9-17B7-486F-BAE8-5C551821AB5E}" type="datetimeFigureOut">
               <a:rPr lang="ko-KR" altLang="en-US" smtClean="0"/>
-              <a:t>2020-08-08</a:t>
+              <a:t>2020-08-25</a:t>
             </a:fld>
             <a:endParaRPr lang="ko-KR" altLang="en-US"/>
           </a:p>
@@ -2425,7 +2425,7 @@
                   </a:prstClr>
                 </a:solidFill>
               </a:rPr>
-              <a:t>2020-08-08</a:t>
+              <a:t>2020-08-25</a:t>
             </a:fld>
             <a:endParaRPr lang="ko-KR" altLang="en-US">
               <a:solidFill>
@@ -2590,7 +2590,7 @@
                   </a:prstClr>
                 </a:solidFill>
               </a:rPr>
-              <a:t>2020-08-08</a:t>
+              <a:t>2020-08-25</a:t>
             </a:fld>
             <a:endParaRPr lang="ko-KR" altLang="en-US">
               <a:solidFill>
@@ -2765,7 +2765,7 @@
                   </a:prstClr>
                 </a:solidFill>
               </a:rPr>
-              <a:t>2020-08-08</a:t>
+              <a:t>2020-08-25</a:t>
             </a:fld>
             <a:endParaRPr lang="ko-KR" altLang="en-US">
               <a:solidFill>
@@ -2930,7 +2930,7 @@
                   </a:prstClr>
                 </a:solidFill>
               </a:rPr>
-              <a:t>2020-08-08</a:t>
+              <a:t>2020-08-25</a:t>
             </a:fld>
             <a:endParaRPr lang="ko-KR" altLang="en-US">
               <a:solidFill>
@@ -3171,7 +3171,7 @@
                   </a:prstClr>
                 </a:solidFill>
               </a:rPr>
-              <a:t>2020-08-08</a:t>
+              <a:t>2020-08-25</a:t>
             </a:fld>
             <a:endParaRPr lang="ko-KR" altLang="en-US">
               <a:solidFill>
@@ -3398,7 +3398,7 @@
                   </a:prstClr>
                 </a:solidFill>
               </a:rPr>
-              <a:t>2020-08-08</a:t>
+              <a:t>2020-08-25</a:t>
             </a:fld>
             <a:endParaRPr lang="ko-KR" altLang="en-US">
               <a:solidFill>
@@ -3760,7 +3760,7 @@
                   </a:prstClr>
                 </a:solidFill>
               </a:rPr>
-              <a:t>2020-08-08</a:t>
+              <a:t>2020-08-25</a:t>
             </a:fld>
             <a:endParaRPr lang="ko-KR" altLang="en-US">
               <a:solidFill>
@@ -3873,7 +3873,7 @@
                   </a:prstClr>
                 </a:solidFill>
               </a:rPr>
-              <a:t>2020-08-08</a:t>
+              <a:t>2020-08-25</a:t>
             </a:fld>
             <a:endParaRPr lang="ko-KR" altLang="en-US">
               <a:solidFill>
@@ -3963,7 +3963,7 @@
                   </a:prstClr>
                 </a:solidFill>
               </a:rPr>
-              <a:t>2020-08-08</a:t>
+              <a:t>2020-08-25</a:t>
             </a:fld>
             <a:endParaRPr lang="ko-KR" altLang="en-US">
               <a:solidFill>
@@ -4235,7 +4235,7 @@
                   </a:prstClr>
                 </a:solidFill>
               </a:rPr>
-              <a:t>2020-08-08</a:t>
+              <a:t>2020-08-25</a:t>
             </a:fld>
             <a:endParaRPr lang="ko-KR" altLang="en-US">
               <a:solidFill>
@@ -4483,7 +4483,7 @@
                   </a:prstClr>
                 </a:solidFill>
               </a:rPr>
-              <a:t>2020-08-08</a:t>
+              <a:t>2020-08-25</a:t>
             </a:fld>
             <a:endParaRPr lang="ko-KR" altLang="en-US">
               <a:solidFill>
@@ -4691,7 +4691,7 @@
                   </a:prstClr>
                 </a:solidFill>
               </a:rPr>
-              <a:t>2020-08-08</a:t>
+              <a:t>2020-08-25</a:t>
             </a:fld>
             <a:endParaRPr lang="ko-KR" altLang="en-US">
               <a:solidFill>
@@ -5241,7 +5241,7 @@
             <p:cNvPr id="7" name="직사각형 6">
               <a:extLst>
                 <a:ext uri="{FF2B5EF4-FFF2-40B4-BE49-F238E27FC236}">
-                  <a16:creationId xmlns="" xmlns:a16="http://schemas.microsoft.com/office/drawing/2014/main" id="{3FA00699-5178-465A-9F3F-130CF1431F70}"/>
+                  <a16:creationId xmlns:a16="http://schemas.microsoft.com/office/drawing/2014/main" id="{3FA00699-5178-465A-9F3F-130CF1431F70}"/>
                 </a:ext>
               </a:extLst>
             </p:cNvPr>
@@ -5347,7 +5347,7 @@
             <p:cNvPr id="26" name="직사각형 25">
               <a:extLst>
                 <a:ext uri="{FF2B5EF4-FFF2-40B4-BE49-F238E27FC236}">
-                  <a16:creationId xmlns="" xmlns:a16="http://schemas.microsoft.com/office/drawing/2014/main" id="{3FA00699-5178-465A-9F3F-130CF1431F70}"/>
+                  <a16:creationId xmlns:a16="http://schemas.microsoft.com/office/drawing/2014/main" id="{3FA00699-5178-465A-9F3F-130CF1431F70}"/>
                 </a:ext>
               </a:extLst>
             </p:cNvPr>
@@ -5448,7 +5448,7 @@
             <p:cNvPr id="28" name="직사각형 27">
               <a:extLst>
                 <a:ext uri="{FF2B5EF4-FFF2-40B4-BE49-F238E27FC236}">
-                  <a16:creationId xmlns="" xmlns:a16="http://schemas.microsoft.com/office/drawing/2014/main" id="{3FA00699-5178-465A-9F3F-130CF1431F70}"/>
+                  <a16:creationId xmlns:a16="http://schemas.microsoft.com/office/drawing/2014/main" id="{3FA00699-5178-465A-9F3F-130CF1431F70}"/>
                 </a:ext>
               </a:extLst>
             </p:cNvPr>
@@ -9791,7 +9791,15 @@
                   <a:schemeClr val="bg1"/>
                 </a:solidFill>
               </a:rPr>
-              <a:t>33 EA</a:t>
+              <a:t>32 </a:t>
+            </a:r>
+            <a:r>
+              <a:rPr lang="en-US" altLang="ko-KR" sz="2400" b="1" dirty="0" smtClean="0">
+                <a:solidFill>
+                  <a:schemeClr val="bg1"/>
+                </a:solidFill>
+              </a:rPr>
+              <a:t>EA</a:t>
             </a:r>
             <a:endParaRPr lang="en-US" altLang="ko-KR" sz="2400" b="1" dirty="0">
               <a:solidFill>
@@ -9845,7 +9853,17 @@
                 <a:latin typeface="Arial" panose="020B0604020202020204" pitchFamily="34" charset="0"/>
                 <a:cs typeface="Arial" panose="020B0604020202020204" pitchFamily="34" charset="0"/>
               </a:rPr>
-              <a:t>21 EA</a:t>
+              <a:t>17 </a:t>
+            </a:r>
+            <a:r>
+              <a:rPr lang="en-US" altLang="ko-KR" sz="2400" b="1" dirty="0" smtClean="0">
+                <a:solidFill>
+                  <a:schemeClr val="bg1"/>
+                </a:solidFill>
+                <a:latin typeface="Arial" panose="020B0604020202020204" pitchFamily="34" charset="0"/>
+                <a:cs typeface="Arial" panose="020B0604020202020204" pitchFamily="34" charset="0"/>
+              </a:rPr>
+              <a:t>EA</a:t>
             </a:r>
             <a:endParaRPr lang="en-US" altLang="ko-KR" sz="2400" b="1" dirty="0">
               <a:solidFill>
@@ -9901,7 +9919,17 @@
                 <a:latin typeface="Arial" panose="020B0604020202020204" pitchFamily="34" charset="0"/>
                 <a:cs typeface="Arial" panose="020B0604020202020204" pitchFamily="34" charset="0"/>
               </a:rPr>
-              <a:t>40 EA</a:t>
+              <a:t>41 </a:t>
+            </a:r>
+            <a:r>
+              <a:rPr lang="en-US" altLang="ko-KR" sz="2400" b="1" dirty="0" smtClean="0">
+                <a:solidFill>
+                  <a:schemeClr val="bg1"/>
+                </a:solidFill>
+                <a:latin typeface="Arial" panose="020B0604020202020204" pitchFamily="34" charset="0"/>
+                <a:cs typeface="Arial" panose="020B0604020202020204" pitchFamily="34" charset="0"/>
+              </a:rPr>
+              <a:t>EA</a:t>
             </a:r>
             <a:endParaRPr lang="en-US" altLang="ko-KR" sz="2400" b="1" dirty="0">
               <a:solidFill>
@@ -10115,14 +10143,7 @@
                 <a:latin typeface="Times New Roman" panose="02020603050405020304" pitchFamily="18" charset="0"/>
                 <a:cs typeface="Times New Roman" panose="02020603050405020304" pitchFamily="18" charset="0"/>
               </a:rPr>
-              <a:t>Number of </a:t>
-            </a:r>
-            <a:r>
-              <a:rPr lang="en-US" altLang="ko-KR" sz="2400" b="1" dirty="0" smtClean="0">
-                <a:latin typeface="Times New Roman" panose="02020603050405020304" pitchFamily="18" charset="0"/>
-                <a:cs typeface="Times New Roman" panose="02020603050405020304" pitchFamily="18" charset="0"/>
-              </a:rPr>
-              <a:t>moments</a:t>
+              <a:t>Number of moments</a:t>
             </a:r>
           </a:p>
         </p:txBody>
@@ -10207,7 +10228,7 @@
       </p:grpSpPr>
       <p:pic>
         <p:nvPicPr>
-          <p:cNvPr id="33" name="그림 32"/>
+          <p:cNvPr id="6" name="그림 5"/>
           <p:cNvPicPr>
             <a:picLocks noChangeAspect="1"/>
           </p:cNvPicPr>
@@ -10227,8 +10248,8 @@
         </p:blipFill>
         <p:spPr>
           <a:xfrm>
-            <a:off x="3235711" y="719621"/>
-            <a:ext cx="5077793" cy="5490726"/>
+            <a:off x="3703458" y="914537"/>
+            <a:ext cx="4448481" cy="5295810"/>
           </a:xfrm>
           <a:prstGeom prst="rect">
             <a:avLst/>
@@ -10243,7 +10264,7 @@
         </p:nvSpPr>
         <p:spPr>
           <a:xfrm>
-            <a:off x="4696790" y="3430647"/>
+            <a:off x="4762062" y="3498757"/>
             <a:ext cx="1406738" cy="830997"/>
           </a:xfrm>
           <a:prstGeom prst="rect">
@@ -10299,7 +10320,7 @@
         </p:nvSpPr>
         <p:spPr>
           <a:xfrm>
-            <a:off x="4325733" y="2240370"/>
+            <a:off x="4302837" y="2386545"/>
             <a:ext cx="1162594" cy="830997"/>
           </a:xfrm>
           <a:prstGeom prst="rect">
@@ -10351,7 +10372,7 @@
         </p:nvSpPr>
         <p:spPr>
           <a:xfrm>
-            <a:off x="5882489" y="2446157"/>
+            <a:off x="6176808" y="2492479"/>
             <a:ext cx="1547412" cy="830997"/>
           </a:xfrm>
           <a:prstGeom prst="rect">
@@ -10387,7 +10408,17 @@
                 <a:latin typeface="Arial" panose="020B0604020202020204" pitchFamily="34" charset="0"/>
                 <a:cs typeface="Arial" panose="020B0604020202020204" pitchFamily="34" charset="0"/>
               </a:rPr>
-              <a:t>121 K</a:t>
+              <a:t>131 </a:t>
+            </a:r>
+            <a:r>
+              <a:rPr lang="en-US" altLang="ko-KR" sz="2400" b="1" dirty="0" smtClean="0">
+                <a:solidFill>
+                  <a:schemeClr val="bg1"/>
+                </a:solidFill>
+                <a:latin typeface="Arial" panose="020B0604020202020204" pitchFamily="34" charset="0"/>
+                <a:cs typeface="Arial" panose="020B0604020202020204" pitchFamily="34" charset="0"/>
+              </a:rPr>
+              <a:t>K</a:t>
             </a:r>
             <a:endParaRPr lang="en-US" altLang="ko-KR" sz="2400" b="1" dirty="0">
               <a:solidFill>
@@ -10407,7 +10438,7 @@
         </p:nvSpPr>
         <p:spPr>
           <a:xfrm>
-            <a:off x="5685779" y="996433"/>
+            <a:off x="5821462" y="1248542"/>
             <a:ext cx="1162594" cy="830997"/>
           </a:xfrm>
           <a:prstGeom prst="rect">
@@ -10463,8 +10494,8 @@
         </p:nvCxnSpPr>
         <p:spPr>
           <a:xfrm flipH="1" flipV="1">
-            <a:off x="3818604" y="3814658"/>
-            <a:ext cx="1073150" cy="2252123"/>
+            <a:off x="3720221" y="3694731"/>
+            <a:ext cx="1171534" cy="2372052"/>
           </a:xfrm>
           <a:prstGeom prst="straightConnector1">
             <a:avLst/>
@@ -10499,7 +10530,7 @@
         </p:nvCxnSpPr>
         <p:spPr>
           <a:xfrm flipV="1">
-            <a:off x="7829669" y="1130854"/>
+            <a:off x="8095677" y="1072664"/>
             <a:ext cx="0" cy="4173376"/>
           </a:xfrm>
           <a:prstGeom prst="straightConnector1">
@@ -10535,8 +10566,8 @@
         </p:nvCxnSpPr>
         <p:spPr>
           <a:xfrm flipV="1">
-            <a:off x="4884134" y="5423113"/>
-            <a:ext cx="3070225" cy="642398"/>
+            <a:off x="4884134" y="5338139"/>
+            <a:ext cx="3267805" cy="727373"/>
           </a:xfrm>
           <a:prstGeom prst="straightConnector1">
             <a:avLst/>
@@ -10570,7 +10601,7 @@
           <p:nvPr/>
         </p:nvSpPr>
         <p:spPr>
-          <a:xfrm rot="20893224">
+          <a:xfrm rot="20791403">
             <a:off x="5421929" y="5756744"/>
             <a:ext cx="2407870" cy="461665"/>
           </a:xfrm>
@@ -10603,7 +10634,7 @@
           <p:nvPr/>
         </p:nvSpPr>
         <p:spPr>
-          <a:xfrm rot="3872032">
+          <a:xfrm rot="3816540">
             <a:off x="2893348" y="4930937"/>
             <a:ext cx="2517831" cy="461665"/>
           </a:xfrm>
@@ -10637,7 +10668,7 @@
         </p:nvSpPr>
         <p:spPr>
           <a:xfrm rot="5400000">
-            <a:off x="6805531" y="3182911"/>
+            <a:off x="7071539" y="3124721"/>
             <a:ext cx="2759320" cy="461665"/>
           </a:xfrm>
           <a:prstGeom prst="rect">
@@ -11117,7 +11148,15 @@
                   <a:schemeClr val="bg1"/>
                 </a:solidFill>
               </a:rPr>
-              <a:t>2.79 M</a:t>
+              <a:t>2.69 </a:t>
+            </a:r>
+            <a:r>
+              <a:rPr lang="en-US" altLang="ko-KR" sz="2400" b="1" dirty="0" smtClean="0">
+                <a:solidFill>
+                  <a:schemeClr val="bg1"/>
+                </a:solidFill>
+              </a:rPr>
+              <a:t>M</a:t>
             </a:r>
             <a:endParaRPr lang="en-US" altLang="ko-KR" sz="2400" b="1" dirty="0">
               <a:solidFill>
@@ -11171,7 +11210,17 @@
                 <a:latin typeface="Arial" panose="020B0604020202020204" pitchFamily="34" charset="0"/>
                 <a:cs typeface="Arial" panose="020B0604020202020204" pitchFamily="34" charset="0"/>
               </a:rPr>
-              <a:t>1.84 M</a:t>
+              <a:t>1.85 </a:t>
+            </a:r>
+            <a:r>
+              <a:rPr lang="en-US" altLang="ko-KR" sz="2400" b="1" dirty="0" smtClean="0">
+                <a:solidFill>
+                  <a:schemeClr val="bg1"/>
+                </a:solidFill>
+                <a:latin typeface="Arial" panose="020B0604020202020204" pitchFamily="34" charset="0"/>
+                <a:cs typeface="Arial" panose="020B0604020202020204" pitchFamily="34" charset="0"/>
+              </a:rPr>
+              <a:t>M</a:t>
             </a:r>
             <a:endParaRPr lang="en-US" altLang="ko-KR" sz="2400" b="1" dirty="0">
               <a:solidFill>
@@ -11227,7 +11276,17 @@
                 <a:latin typeface="Arial" panose="020B0604020202020204" pitchFamily="34" charset="0"/>
                 <a:cs typeface="Arial" panose="020B0604020202020204" pitchFamily="34" charset="0"/>
               </a:rPr>
-              <a:t>4.85 M</a:t>
+              <a:t>4.95 </a:t>
+            </a:r>
+            <a:r>
+              <a:rPr lang="en-US" altLang="ko-KR" sz="2400" b="1" dirty="0" smtClean="0">
+                <a:solidFill>
+                  <a:schemeClr val="bg1"/>
+                </a:solidFill>
+                <a:latin typeface="Arial" panose="020B0604020202020204" pitchFamily="34" charset="0"/>
+                <a:cs typeface="Arial" panose="020B0604020202020204" pitchFamily="34" charset="0"/>
+              </a:rPr>
+              <a:t>M</a:t>
             </a:r>
             <a:endParaRPr lang="en-US" altLang="ko-KR" sz="2400" b="1" dirty="0">
               <a:solidFill>
@@ -12519,7 +12578,7 @@
   <a:extraClrSchemeLst/>
   <a:extLst>
     <a:ext uri="{05A4C25C-085E-4340-85A3-A5531E510DB2}">
-      <thm15:themeFamily xmlns="" xmlns:thm15="http://schemas.microsoft.com/office/thememl/2012/main" name="Office Theme" id="{62F939B6-93AF-4DB8-9C6B-D6C7DFDC589F}" vid="{4A3C46E8-61CC-4603-A589-7422A47A8E4A}"/>
+      <thm15:themeFamily xmlns:thm15="http://schemas.microsoft.com/office/thememl/2012/main" name="Office Theme" id="{62F939B6-93AF-4DB8-9C6B-D6C7DFDC589F}" vid="{4A3C46E8-61CC-4603-A589-7422A47A8E4A}"/>
     </a:ext>
   </a:extLst>
 </a:theme>
@@ -12780,7 +12839,7 @@
   <a:extraClrSchemeLst/>
   <a:extLst>
     <a:ext uri="{05A4C25C-085E-4340-85A3-A5531E510DB2}">
-      <thm15:themeFamily xmlns="" xmlns:thm15="http://schemas.microsoft.com/office/thememl/2012/main" name="Office Theme" id="{62F939B6-93AF-4DB8-9C6B-D6C7DFDC589F}" vid="{4A3C46E8-61CC-4603-A589-7422A47A8E4A}"/>
+      <thm15:themeFamily xmlns:thm15="http://schemas.microsoft.com/office/thememl/2012/main" name="Office Theme" id="{62F939B6-93AF-4DB8-9C6B-D6C7DFDC589F}" vid="{4A3C46E8-61CC-4603-A589-7422A47A8E4A}"/>
     </a:ext>
   </a:extLst>
 </a:theme>

--- a/논문 작성/그림과표_김영범.pptx
+++ b/논문 작성/그림과표_김영범.pptx
@@ -121,7 +121,7 @@
   </p:defaultTextStyle>
   <p:extLst>
     <p:ext uri="{EFAFB233-063F-42B5-8137-9DF3F51BA10A}">
-      <p15:sldGuideLst xmlns:p15="http://schemas.microsoft.com/office/powerpoint/2012/main">
+      <p15:sldGuideLst xmlns:p15="http://schemas.microsoft.com/office/powerpoint/2012/main" xmlns="">
         <p15:guide id="1" orient="horz" pos="2160">
           <p15:clr>
             <a:srgbClr val="A4A3A4"/>
@@ -135,7 +135,7 @@
       </p15:sldGuideLst>
     </p:ext>
     <p:ext uri="{2D200454-40CA-4A62-9FC3-DE9A4176ACB9}">
-      <p15:notesGuideLst xmlns:p15="http://schemas.microsoft.com/office/powerpoint/2012/main"/>
+      <p15:notesGuideLst xmlns:p15="http://schemas.microsoft.com/office/powerpoint/2012/main" xmlns=""/>
     </p:ext>
   </p:extLst>
 </p:presentation>
@@ -146,7 +146,7 @@
   <p:cmAuthor id="1" name="Kim YoungBum" initials="KY" lastIdx="1" clrIdx="0">
     <p:extLst>
       <p:ext uri="{19B8F6BF-5375-455C-9EA6-DF929625EA0E}">
-        <p15:presenceInfo xmlns:p15="http://schemas.microsoft.com/office/powerpoint/2012/main" userId="58bde64b80528bfe" providerId="Windows Live"/>
+        <p15:presenceInfo xmlns:p15="http://schemas.microsoft.com/office/powerpoint/2012/main" xmlns="" userId="58bde64b80528bfe" providerId="Windows Live"/>
       </p:ext>
     </p:extLst>
   </p:cmAuthor>
@@ -154,7 +154,7 @@
 </file>
 
 <file path=ppt/charts/chart1.xml><?xml version="1.0" encoding="utf-8"?>
-<c:chartSpace xmlns:c="http://schemas.openxmlformats.org/drawingml/2006/chart" xmlns:a="http://schemas.openxmlformats.org/drawingml/2006/main" xmlns:r="http://schemas.openxmlformats.org/officeDocument/2006/relationships" xmlns:c16r2="http://schemas.microsoft.com/office/drawing/2015/06/chart">
+<c:chartSpace xmlns:c="http://schemas.openxmlformats.org/drawingml/2006/chart" xmlns:a="http://schemas.openxmlformats.org/drawingml/2006/main" xmlns:r="http://schemas.openxmlformats.org/officeDocument/2006/relationships">
   <c:date1904 val="0"/>
   <c:lang val="ko-KR"/>
   <c:roundedCorners val="0"/>
@@ -233,7 +233,7 @@
               </c:numCache>
             </c:numRef>
           </c:val>
-          <c:extLst>
+          <c:extLst xmlns:c16r2="http://schemas.microsoft.com/office/drawing/2015/06/chart">
             <c:ext xmlns:c16="http://schemas.microsoft.com/office/drawing/2014/chart" uri="{C3380CC4-5D6E-409C-BE32-E72D297353CC}">
               <c16:uniqueId val="{00000000-B2D1-4161-90F4-B5B1C52DDDEB}"/>
             </c:ext>
@@ -300,7 +300,7 @@
               </c:numCache>
             </c:numRef>
           </c:val>
-          <c:extLst>
+          <c:extLst xmlns:c16r2="http://schemas.microsoft.com/office/drawing/2015/06/chart">
             <c:ext xmlns:c16="http://schemas.microsoft.com/office/drawing/2014/chart" uri="{C3380CC4-5D6E-409C-BE32-E72D297353CC}">
               <c16:uniqueId val="{00000001-B2D1-4161-90F4-B5B1C52DDDEB}"/>
             </c:ext>
@@ -365,7 +365,7 @@
               </c:numCache>
             </c:numRef>
           </c:val>
-          <c:extLst>
+          <c:extLst xmlns:c16r2="http://schemas.microsoft.com/office/drawing/2015/06/chart">
             <c:ext xmlns:c16="http://schemas.microsoft.com/office/drawing/2014/chart" uri="{C3380CC4-5D6E-409C-BE32-E72D297353CC}">
               <c16:uniqueId val="{00000002-B2D1-4161-90F4-B5B1C52DDDEB}"/>
             </c:ext>
@@ -430,7 +430,7 @@
               </c:numCache>
             </c:numRef>
           </c:val>
-          <c:extLst>
+          <c:extLst xmlns:c16r2="http://schemas.microsoft.com/office/drawing/2015/06/chart">
             <c:ext xmlns:c16="http://schemas.microsoft.com/office/drawing/2014/chart" uri="{C3380CC4-5D6E-409C-BE32-E72D297353CC}">
               <c16:uniqueId val="{00000000-33E7-4E57-B241-38F147A79863}"/>
             </c:ext>
@@ -446,11 +446,11 @@
         </c:dLbls>
         <c:gapWidth val="219"/>
         <c:overlap val="-27"/>
-        <c:axId val="155413504"/>
-        <c:axId val="155423488"/>
+        <c:axId val="151485440"/>
+        <c:axId val="151499520"/>
       </c:barChart>
       <c:catAx>
-        <c:axId val="155413504"/>
+        <c:axId val="151485440"/>
         <c:scaling>
           <c:orientation val="minMax"/>
         </c:scaling>
@@ -507,7 +507,7 @@
             <a:endParaRPr lang="ko-KR"/>
           </a:p>
         </c:txPr>
-        <c:crossAx val="155423488"/>
+        <c:crossAx val="151499520"/>
         <c:crosses val="autoZero"/>
         <c:auto val="1"/>
         <c:lblAlgn val="ctr"/>
@@ -515,7 +515,7 @@
         <c:noMultiLvlLbl val="0"/>
       </c:catAx>
       <c:valAx>
-        <c:axId val="155423488"/>
+        <c:axId val="151499520"/>
         <c:scaling>
           <c:orientation val="minMax"/>
           <c:max val="140"/>
@@ -567,7 +567,7 @@
             <a:endParaRPr lang="ko-KR"/>
           </a:p>
         </c:txPr>
-        <c:crossAx val="155413504"/>
+        <c:crossAx val="151485440"/>
         <c:crosses val="autoZero"/>
         <c:crossBetween val="between"/>
       </c:valAx>
@@ -641,14 +641,14 @@
       <a:endParaRPr lang="ko-KR"/>
     </a:p>
   </c:txPr>
-  <c:externalData r:id="rId3">
+  <c:externalData r:id="rId1">
     <c:autoUpdate val="0"/>
   </c:externalData>
 </c:chartSpace>
 </file>
 
 <file path=ppt/charts/chart2.xml><?xml version="1.0" encoding="utf-8"?>
-<c:chartSpace xmlns:c="http://schemas.openxmlformats.org/drawingml/2006/chart" xmlns:a="http://schemas.openxmlformats.org/drawingml/2006/main" xmlns:r="http://schemas.openxmlformats.org/officeDocument/2006/relationships" xmlns:c16r2="http://schemas.microsoft.com/office/drawing/2015/06/chart">
+<c:chartSpace xmlns:c="http://schemas.openxmlformats.org/drawingml/2006/chart" xmlns:a="http://schemas.openxmlformats.org/drawingml/2006/main" xmlns:r="http://schemas.openxmlformats.org/officeDocument/2006/relationships">
   <c:date1904 val="0"/>
   <c:lang val="ko-KR"/>
   <c:roundedCorners val="0"/>
@@ -694,7 +694,7 @@
               </a:ln>
               <a:effectLst/>
             </c:spPr>
-            <c:extLst>
+            <c:extLst xmlns:c16r2="http://schemas.microsoft.com/office/drawing/2015/06/chart">
               <c:ext xmlns:c16="http://schemas.microsoft.com/office/drawing/2014/chart" uri="{C3380CC4-5D6E-409C-BE32-E72D297353CC}">
                 <c16:uniqueId val="{00000001-D885-4D73-83E5-4F2FC8B99003}"/>
               </c:ext>
@@ -714,7 +714,7 @@
               </a:ln>
               <a:effectLst/>
             </c:spPr>
-            <c:extLst>
+            <c:extLst xmlns:c16r2="http://schemas.microsoft.com/office/drawing/2015/06/chart">
               <c:ext xmlns:c16="http://schemas.microsoft.com/office/drawing/2014/chart" uri="{C3380CC4-5D6E-409C-BE32-E72D297353CC}">
                 <c16:uniqueId val="{00000003-D885-4D73-83E5-4F2FC8B99003}"/>
               </c:ext>
@@ -734,7 +734,7 @@
               </a:ln>
               <a:effectLst/>
             </c:spPr>
-            <c:extLst>
+            <c:extLst xmlns:c16r2="http://schemas.microsoft.com/office/drawing/2015/06/chart">
               <c:ext xmlns:c16="http://schemas.microsoft.com/office/drawing/2014/chart" uri="{C3380CC4-5D6E-409C-BE32-E72D297353CC}">
                 <c16:uniqueId val="{00000005-D885-4D73-83E5-4F2FC8B99003}"/>
               </c:ext>
@@ -754,7 +754,7 @@
               </a:ln>
               <a:effectLst/>
             </c:spPr>
-            <c:extLst>
+            <c:extLst xmlns:c16r2="http://schemas.microsoft.com/office/drawing/2015/06/chart">
               <c:ext xmlns:c16="http://schemas.microsoft.com/office/drawing/2014/chart" uri="{C3380CC4-5D6E-409C-BE32-E72D297353CC}">
                 <c16:uniqueId val="{00000007-D885-4D73-83E5-4F2FC8B99003}"/>
               </c:ext>
@@ -801,7 +801,7 @@
               </c:numCache>
             </c:numRef>
           </c:val>
-          <c:extLst>
+          <c:extLst xmlns:c16r2="http://schemas.microsoft.com/office/drawing/2015/06/chart">
             <c:ext xmlns:c16="http://schemas.microsoft.com/office/drawing/2014/chart" uri="{C3380CC4-5D6E-409C-BE32-E72D297353CC}">
               <c16:uniqueId val="{00000008-D885-4D73-83E5-4F2FC8B99003}"/>
             </c:ext>
@@ -854,7 +854,7 @@
 </file>
 
 <file path=ppt/charts/chart3.xml><?xml version="1.0" encoding="utf-8"?>
-<c:chartSpace xmlns:c="http://schemas.openxmlformats.org/drawingml/2006/chart" xmlns:a="http://schemas.openxmlformats.org/drawingml/2006/main" xmlns:r="http://schemas.openxmlformats.org/officeDocument/2006/relationships" xmlns:c16r2="http://schemas.microsoft.com/office/drawing/2015/06/chart">
+<c:chartSpace xmlns:c="http://schemas.openxmlformats.org/drawingml/2006/chart" xmlns:a="http://schemas.openxmlformats.org/drawingml/2006/main" xmlns:r="http://schemas.openxmlformats.org/officeDocument/2006/relationships">
   <c:date1904 val="0"/>
   <c:lang val="ko-KR"/>
   <c:roundedCorners val="0"/>
@@ -900,7 +900,7 @@
               </a:ln>
               <a:effectLst/>
             </c:spPr>
-            <c:extLst>
+            <c:extLst xmlns:c16r2="http://schemas.microsoft.com/office/drawing/2015/06/chart">
               <c:ext xmlns:c16="http://schemas.microsoft.com/office/drawing/2014/chart" uri="{C3380CC4-5D6E-409C-BE32-E72D297353CC}">
                 <c16:uniqueId val="{00000001-1792-4C58-A23F-84C9612BC9D3}"/>
               </c:ext>
@@ -920,7 +920,7 @@
               </a:ln>
               <a:effectLst/>
             </c:spPr>
-            <c:extLst>
+            <c:extLst xmlns:c16r2="http://schemas.microsoft.com/office/drawing/2015/06/chart">
               <c:ext xmlns:c16="http://schemas.microsoft.com/office/drawing/2014/chart" uri="{C3380CC4-5D6E-409C-BE32-E72D297353CC}">
                 <c16:uniqueId val="{00000003-1792-4C58-A23F-84C9612BC9D3}"/>
               </c:ext>
@@ -940,7 +940,7 @@
               </a:ln>
               <a:effectLst/>
             </c:spPr>
-            <c:extLst>
+            <c:extLst xmlns:c16r2="http://schemas.microsoft.com/office/drawing/2015/06/chart">
               <c:ext xmlns:c16="http://schemas.microsoft.com/office/drawing/2014/chart" uri="{C3380CC4-5D6E-409C-BE32-E72D297353CC}">
                 <c16:uniqueId val="{00000005-1792-4C58-A23F-84C9612BC9D3}"/>
               </c:ext>
@@ -960,7 +960,7 @@
               </a:ln>
               <a:effectLst/>
             </c:spPr>
-            <c:extLst>
+            <c:extLst xmlns:c16r2="http://schemas.microsoft.com/office/drawing/2015/06/chart">
               <c:ext xmlns:c16="http://schemas.microsoft.com/office/drawing/2014/chart" uri="{C3380CC4-5D6E-409C-BE32-E72D297353CC}">
                 <c16:uniqueId val="{00000007-1792-4C58-A23F-84C9612BC9D3}"/>
               </c:ext>
@@ -1007,7 +1007,7 @@
               </c:numCache>
             </c:numRef>
           </c:val>
-          <c:extLst>
+          <c:extLst xmlns:c16r2="http://schemas.microsoft.com/office/drawing/2015/06/chart">
             <c:ext xmlns:c16="http://schemas.microsoft.com/office/drawing/2014/chart" uri="{C3380CC4-5D6E-409C-BE32-E72D297353CC}">
               <c16:uniqueId val="{00000008-1792-4C58-A23F-84C9612BC9D3}"/>
             </c:ext>
@@ -1684,7 +1684,7 @@
           <a:p>
             <a:fld id="{413548A9-17B7-486F-BAE8-5C551821AB5E}" type="datetimeFigureOut">
               <a:rPr lang="ko-KR" altLang="en-US" smtClean="0"/>
-              <a:t>2020-08-25</a:t>
+              <a:t>2020-08-28</a:t>
             </a:fld>
             <a:endParaRPr lang="ko-KR" altLang="en-US"/>
           </a:p>
@@ -2425,7 +2425,7 @@
                   </a:prstClr>
                 </a:solidFill>
               </a:rPr>
-              <a:t>2020-08-25</a:t>
+              <a:t>2020-08-28</a:t>
             </a:fld>
             <a:endParaRPr lang="ko-KR" altLang="en-US">
               <a:solidFill>
@@ -2590,7 +2590,7 @@
                   </a:prstClr>
                 </a:solidFill>
               </a:rPr>
-              <a:t>2020-08-25</a:t>
+              <a:t>2020-08-28</a:t>
             </a:fld>
             <a:endParaRPr lang="ko-KR" altLang="en-US">
               <a:solidFill>
@@ -2765,7 +2765,7 @@
                   </a:prstClr>
                 </a:solidFill>
               </a:rPr>
-              <a:t>2020-08-25</a:t>
+              <a:t>2020-08-28</a:t>
             </a:fld>
             <a:endParaRPr lang="ko-KR" altLang="en-US">
               <a:solidFill>
@@ -2930,7 +2930,7 @@
                   </a:prstClr>
                 </a:solidFill>
               </a:rPr>
-              <a:t>2020-08-25</a:t>
+              <a:t>2020-08-28</a:t>
             </a:fld>
             <a:endParaRPr lang="ko-KR" altLang="en-US">
               <a:solidFill>
@@ -3171,7 +3171,7 @@
                   </a:prstClr>
                 </a:solidFill>
               </a:rPr>
-              <a:t>2020-08-25</a:t>
+              <a:t>2020-08-28</a:t>
             </a:fld>
             <a:endParaRPr lang="ko-KR" altLang="en-US">
               <a:solidFill>
@@ -3398,7 +3398,7 @@
                   </a:prstClr>
                 </a:solidFill>
               </a:rPr>
-              <a:t>2020-08-25</a:t>
+              <a:t>2020-08-28</a:t>
             </a:fld>
             <a:endParaRPr lang="ko-KR" altLang="en-US">
               <a:solidFill>
@@ -3760,7 +3760,7 @@
                   </a:prstClr>
                 </a:solidFill>
               </a:rPr>
-              <a:t>2020-08-25</a:t>
+              <a:t>2020-08-28</a:t>
             </a:fld>
             <a:endParaRPr lang="ko-KR" altLang="en-US">
               <a:solidFill>
@@ -3873,7 +3873,7 @@
                   </a:prstClr>
                 </a:solidFill>
               </a:rPr>
-              <a:t>2020-08-25</a:t>
+              <a:t>2020-08-28</a:t>
             </a:fld>
             <a:endParaRPr lang="ko-KR" altLang="en-US">
               <a:solidFill>
@@ -3963,7 +3963,7 @@
                   </a:prstClr>
                 </a:solidFill>
               </a:rPr>
-              <a:t>2020-08-25</a:t>
+              <a:t>2020-08-28</a:t>
             </a:fld>
             <a:endParaRPr lang="ko-KR" altLang="en-US">
               <a:solidFill>
@@ -4235,7 +4235,7 @@
                   </a:prstClr>
                 </a:solidFill>
               </a:rPr>
-              <a:t>2020-08-25</a:t>
+              <a:t>2020-08-28</a:t>
             </a:fld>
             <a:endParaRPr lang="ko-KR" altLang="en-US">
               <a:solidFill>
@@ -4483,7 +4483,7 @@
                   </a:prstClr>
                 </a:solidFill>
               </a:rPr>
-              <a:t>2020-08-25</a:t>
+              <a:t>2020-08-28</a:t>
             </a:fld>
             <a:endParaRPr lang="ko-KR" altLang="en-US">
               <a:solidFill>
@@ -4691,7 +4691,7 @@
                   </a:prstClr>
                 </a:solidFill>
               </a:rPr>
-              <a:t>2020-08-25</a:t>
+              <a:t>2020-08-28</a:t>
             </a:fld>
             <a:endParaRPr lang="ko-KR" altLang="en-US">
               <a:solidFill>
@@ -5241,7 +5241,7 @@
             <p:cNvPr id="7" name="직사각형 6">
               <a:extLst>
                 <a:ext uri="{FF2B5EF4-FFF2-40B4-BE49-F238E27FC236}">
-                  <a16:creationId xmlns:a16="http://schemas.microsoft.com/office/drawing/2014/main" id="{3FA00699-5178-465A-9F3F-130CF1431F70}"/>
+                  <a16:creationId xmlns:a16="http://schemas.microsoft.com/office/drawing/2014/main" xmlns="" id="{3FA00699-5178-465A-9F3F-130CF1431F70}"/>
                 </a:ext>
               </a:extLst>
             </p:cNvPr>
@@ -5347,7 +5347,7 @@
             <p:cNvPr id="26" name="직사각형 25">
               <a:extLst>
                 <a:ext uri="{FF2B5EF4-FFF2-40B4-BE49-F238E27FC236}">
-                  <a16:creationId xmlns:a16="http://schemas.microsoft.com/office/drawing/2014/main" id="{3FA00699-5178-465A-9F3F-130CF1431F70}"/>
+                  <a16:creationId xmlns:a16="http://schemas.microsoft.com/office/drawing/2014/main" xmlns="" id="{3FA00699-5178-465A-9F3F-130CF1431F70}"/>
                 </a:ext>
               </a:extLst>
             </p:cNvPr>
@@ -5448,7 +5448,7 @@
             <p:cNvPr id="28" name="직사각형 27">
               <a:extLst>
                 <a:ext uri="{FF2B5EF4-FFF2-40B4-BE49-F238E27FC236}">
-                  <a16:creationId xmlns:a16="http://schemas.microsoft.com/office/drawing/2014/main" id="{3FA00699-5178-465A-9F3F-130CF1431F70}"/>
+                  <a16:creationId xmlns:a16="http://schemas.microsoft.com/office/drawing/2014/main" xmlns="" id="{3FA00699-5178-465A-9F3F-130CF1431F70}"/>
                 </a:ext>
               </a:extLst>
             </p:cNvPr>
@@ -9791,15 +9791,7 @@
                   <a:schemeClr val="bg1"/>
                 </a:solidFill>
               </a:rPr>
-              <a:t>32 </a:t>
-            </a:r>
-            <a:r>
-              <a:rPr lang="en-US" altLang="ko-KR" sz="2400" b="1" dirty="0" smtClean="0">
-                <a:solidFill>
-                  <a:schemeClr val="bg1"/>
-                </a:solidFill>
-              </a:rPr>
-              <a:t>EA</a:t>
+              <a:t>32 EA</a:t>
             </a:r>
             <a:endParaRPr lang="en-US" altLang="ko-KR" sz="2400" b="1" dirty="0">
               <a:solidFill>
@@ -9853,17 +9845,7 @@
                 <a:latin typeface="Arial" panose="020B0604020202020204" pitchFamily="34" charset="0"/>
                 <a:cs typeface="Arial" panose="020B0604020202020204" pitchFamily="34" charset="0"/>
               </a:rPr>
-              <a:t>17 </a:t>
-            </a:r>
-            <a:r>
-              <a:rPr lang="en-US" altLang="ko-KR" sz="2400" b="1" dirty="0" smtClean="0">
-                <a:solidFill>
-                  <a:schemeClr val="bg1"/>
-                </a:solidFill>
-                <a:latin typeface="Arial" panose="020B0604020202020204" pitchFamily="34" charset="0"/>
-                <a:cs typeface="Arial" panose="020B0604020202020204" pitchFamily="34" charset="0"/>
-              </a:rPr>
-              <a:t>EA</a:t>
+              <a:t>17 EA</a:t>
             </a:r>
             <a:endParaRPr lang="en-US" altLang="ko-KR" sz="2400" b="1" dirty="0">
               <a:solidFill>
@@ -9919,17 +9901,7 @@
                 <a:latin typeface="Arial" panose="020B0604020202020204" pitchFamily="34" charset="0"/>
                 <a:cs typeface="Arial" panose="020B0604020202020204" pitchFamily="34" charset="0"/>
               </a:rPr>
-              <a:t>41 </a:t>
-            </a:r>
-            <a:r>
-              <a:rPr lang="en-US" altLang="ko-KR" sz="2400" b="1" dirty="0" smtClean="0">
-                <a:solidFill>
-                  <a:schemeClr val="bg1"/>
-                </a:solidFill>
-                <a:latin typeface="Arial" panose="020B0604020202020204" pitchFamily="34" charset="0"/>
-                <a:cs typeface="Arial" panose="020B0604020202020204" pitchFamily="34" charset="0"/>
-              </a:rPr>
-              <a:t>EA</a:t>
+              <a:t>41 EA</a:t>
             </a:r>
             <a:endParaRPr lang="en-US" altLang="ko-KR" sz="2400" b="1" dirty="0">
               <a:solidFill>
@@ -10264,8 +10236,8 @@
         </p:nvSpPr>
         <p:spPr>
           <a:xfrm>
-            <a:off x="4762062" y="3498757"/>
-            <a:ext cx="1406738" cy="830997"/>
+            <a:off x="4724041" y="3521164"/>
+            <a:ext cx="1406738" cy="954107"/>
           </a:xfrm>
           <a:prstGeom prst="rect">
             <a:avLst/>
@@ -10280,7 +10252,7 @@
           <a:p>
             <a:pPr algn="ctr"/>
             <a:r>
-              <a:rPr lang="en-US" altLang="ko-KR" sz="2400" b="1" dirty="0" smtClean="0">
+              <a:rPr lang="en-US" altLang="ko-KR" sz="2800" b="1" dirty="0" smtClean="0">
                 <a:solidFill>
                   <a:schemeClr val="bg1"/>
                 </a:solidFill>
@@ -10293,7 +10265,7 @@
           <a:p>
             <a:pPr algn="ctr"/>
             <a:r>
-              <a:rPr lang="en-US" altLang="ko-KR" sz="2400" b="1" dirty="0" smtClean="0">
+              <a:rPr lang="en-US" altLang="ko-KR" sz="2800" b="1" dirty="0" smtClean="0">
                 <a:solidFill>
                   <a:schemeClr val="bg1"/>
                 </a:solidFill>
@@ -10302,7 +10274,7 @@
               </a:rPr>
               <a:t>86 K</a:t>
             </a:r>
-            <a:endParaRPr lang="en-US" altLang="ko-KR" sz="2400" b="1" dirty="0">
+            <a:endParaRPr lang="en-US" altLang="ko-KR" sz="2800" b="1" dirty="0">
               <a:solidFill>
                 <a:schemeClr val="bg1"/>
               </a:solidFill>
@@ -10320,8 +10292,8 @@
         </p:nvSpPr>
         <p:spPr>
           <a:xfrm>
-            <a:off x="4302837" y="2386545"/>
-            <a:ext cx="1162594" cy="830997"/>
+            <a:off x="4141576" y="2360419"/>
+            <a:ext cx="1406738" cy="954107"/>
           </a:xfrm>
           <a:prstGeom prst="rect">
             <a:avLst/>
@@ -10336,7 +10308,7 @@
           <a:p>
             <a:pPr algn="ctr"/>
             <a:r>
-              <a:rPr lang="en-US" altLang="ko-KR" sz="2400" b="1" dirty="0" smtClean="0">
+              <a:rPr lang="en-US" altLang="ko-KR" sz="2800" b="1" dirty="0" smtClean="0">
                 <a:solidFill>
                   <a:schemeClr val="bg1"/>
                 </a:solidFill>
@@ -10349,18 +10321,21 @@
           <a:p>
             <a:pPr algn="ctr"/>
             <a:r>
-              <a:rPr lang="en-US" altLang="ko-KR" sz="2400" b="1" dirty="0" smtClean="0">
+              <a:rPr lang="en-US" altLang="ko-KR" sz="2800" b="1" dirty="0" smtClean="0">
                 <a:solidFill>
                   <a:schemeClr val="bg1"/>
                 </a:solidFill>
               </a:rPr>
-              <a:t>95 K</a:t>
-            </a:r>
-            <a:endParaRPr lang="en-US" altLang="ko-KR" sz="2400" b="1" dirty="0">
-              <a:solidFill>
-                <a:schemeClr val="bg1"/>
-              </a:solidFill>
-            </a:endParaRPr>
+              <a:t>95 </a:t>
+            </a:r>
+            <a:r>
+              <a:rPr lang="en-US" altLang="ko-KR" sz="2800" b="1" dirty="0" smtClean="0">
+                <a:solidFill>
+                  <a:schemeClr val="bg1"/>
+                </a:solidFill>
+              </a:rPr>
+              <a:t>K</a:t>
+            </a:r>
           </a:p>
         </p:txBody>
       </p:sp>
@@ -10372,8 +10347,8 @@
         </p:nvSpPr>
         <p:spPr>
           <a:xfrm>
-            <a:off x="6176808" y="2492479"/>
-            <a:ext cx="1547412" cy="830997"/>
+            <a:off x="5922889" y="2505542"/>
+            <a:ext cx="1872368" cy="954107"/>
           </a:xfrm>
           <a:prstGeom prst="rect">
             <a:avLst/>
@@ -10388,7 +10363,7 @@
           <a:p>
             <a:pPr algn="ctr"/>
             <a:r>
-              <a:rPr lang="en-US" altLang="ko-KR" sz="2400" b="1" dirty="0" smtClean="0">
+              <a:rPr lang="en-US" altLang="ko-KR" sz="2800" b="1" dirty="0" smtClean="0">
                 <a:solidFill>
                   <a:schemeClr val="bg1"/>
                 </a:solidFill>
@@ -10401,7 +10376,7 @@
           <a:p>
             <a:pPr algn="ctr"/>
             <a:r>
-              <a:rPr lang="en-US" altLang="ko-KR" sz="2400" b="1" dirty="0" smtClean="0">
+              <a:rPr lang="en-US" altLang="ko-KR" sz="2800" b="1" dirty="0" smtClean="0">
                 <a:solidFill>
                   <a:schemeClr val="bg1"/>
                 </a:solidFill>
@@ -10411,7 +10386,7 @@
               <a:t>131 </a:t>
             </a:r>
             <a:r>
-              <a:rPr lang="en-US" altLang="ko-KR" sz="2400" b="1" dirty="0" smtClean="0">
+              <a:rPr lang="en-US" altLang="ko-KR" sz="2800" b="1" dirty="0" smtClean="0">
                 <a:solidFill>
                   <a:schemeClr val="bg1"/>
                 </a:solidFill>
@@ -10420,13 +10395,6 @@
               </a:rPr>
               <a:t>K</a:t>
             </a:r>
-            <a:endParaRPr lang="en-US" altLang="ko-KR" sz="2400" b="1" dirty="0">
-              <a:solidFill>
-                <a:schemeClr val="bg1"/>
-              </a:solidFill>
-              <a:latin typeface="Arial" panose="020B0604020202020204" pitchFamily="34" charset="0"/>
-              <a:cs typeface="Arial" panose="020B0604020202020204" pitchFamily="34" charset="0"/>
-            </a:endParaRPr>
           </a:p>
         </p:txBody>
       </p:sp>
@@ -10438,8 +10406,8 @@
         </p:nvSpPr>
         <p:spPr>
           <a:xfrm>
-            <a:off x="5821462" y="1248542"/>
-            <a:ext cx="1162594" cy="830997"/>
+            <a:off x="5725516" y="1170164"/>
+            <a:ext cx="1406738" cy="954107"/>
           </a:xfrm>
           <a:prstGeom prst="rect">
             <a:avLst/>
@@ -10454,7 +10422,7 @@
           <a:p>
             <a:pPr algn="ctr"/>
             <a:r>
-              <a:rPr lang="en-US" altLang="ko-KR" sz="2400" b="1" dirty="0" smtClean="0">
+              <a:rPr lang="en-US" altLang="ko-KR" sz="2800" b="1" dirty="0" smtClean="0">
                 <a:solidFill>
                   <a:schemeClr val="bg1"/>
                 </a:solidFill>
@@ -10467,22 +10435,25 @@
           <a:p>
             <a:pPr algn="ctr"/>
             <a:r>
-              <a:rPr lang="en-US" altLang="ko-KR" sz="2400" b="1" dirty="0" smtClean="0">
+              <a:rPr lang="en-US" altLang="ko-KR" sz="2800" b="1" dirty="0" smtClean="0">
                 <a:solidFill>
                   <a:schemeClr val="bg1"/>
                 </a:solidFill>
                 <a:latin typeface="Arial" panose="020B0604020202020204" pitchFamily="34" charset="0"/>
                 <a:cs typeface="Arial" panose="020B0604020202020204" pitchFamily="34" charset="0"/>
               </a:rPr>
-              <a:t>143 K</a:t>
-            </a:r>
-            <a:endParaRPr lang="en-US" altLang="ko-KR" sz="2400" b="1" dirty="0">
-              <a:solidFill>
-                <a:schemeClr val="bg1"/>
-              </a:solidFill>
-              <a:latin typeface="Arial" panose="020B0604020202020204" pitchFamily="34" charset="0"/>
-              <a:cs typeface="Arial" panose="020B0604020202020204" pitchFamily="34" charset="0"/>
-            </a:endParaRPr>
+              <a:t>143 </a:t>
+            </a:r>
+            <a:r>
+              <a:rPr lang="en-US" altLang="ko-KR" sz="2800" b="1" dirty="0" smtClean="0">
+                <a:solidFill>
+                  <a:schemeClr val="bg1"/>
+                </a:solidFill>
+                <a:latin typeface="Arial" panose="020B0604020202020204" pitchFamily="34" charset="0"/>
+                <a:cs typeface="Arial" panose="020B0604020202020204" pitchFamily="34" charset="0"/>
+              </a:rPr>
+              <a:t>K</a:t>
+            </a:r>
           </a:p>
         </p:txBody>
       </p:sp>
@@ -11148,15 +11119,7 @@
                   <a:schemeClr val="bg1"/>
                 </a:solidFill>
               </a:rPr>
-              <a:t>2.69 </a:t>
-            </a:r>
-            <a:r>
-              <a:rPr lang="en-US" altLang="ko-KR" sz="2400" b="1" dirty="0" smtClean="0">
-                <a:solidFill>
-                  <a:schemeClr val="bg1"/>
-                </a:solidFill>
-              </a:rPr>
-              <a:t>M</a:t>
+              <a:t>2.69 M</a:t>
             </a:r>
             <a:endParaRPr lang="en-US" altLang="ko-KR" sz="2400" b="1" dirty="0">
               <a:solidFill>
@@ -11210,17 +11173,7 @@
                 <a:latin typeface="Arial" panose="020B0604020202020204" pitchFamily="34" charset="0"/>
                 <a:cs typeface="Arial" panose="020B0604020202020204" pitchFamily="34" charset="0"/>
               </a:rPr>
-              <a:t>1.85 </a:t>
-            </a:r>
-            <a:r>
-              <a:rPr lang="en-US" altLang="ko-KR" sz="2400" b="1" dirty="0" smtClean="0">
-                <a:solidFill>
-                  <a:schemeClr val="bg1"/>
-                </a:solidFill>
-                <a:latin typeface="Arial" panose="020B0604020202020204" pitchFamily="34" charset="0"/>
-                <a:cs typeface="Arial" panose="020B0604020202020204" pitchFamily="34" charset="0"/>
-              </a:rPr>
-              <a:t>M</a:t>
+              <a:t>1.85 M</a:t>
             </a:r>
             <a:endParaRPr lang="en-US" altLang="ko-KR" sz="2400" b="1" dirty="0">
               <a:solidFill>
@@ -11276,17 +11229,7 @@
                 <a:latin typeface="Arial" panose="020B0604020202020204" pitchFamily="34" charset="0"/>
                 <a:cs typeface="Arial" panose="020B0604020202020204" pitchFamily="34" charset="0"/>
               </a:rPr>
-              <a:t>4.95 </a:t>
-            </a:r>
-            <a:r>
-              <a:rPr lang="en-US" altLang="ko-KR" sz="2400" b="1" dirty="0" smtClean="0">
-                <a:solidFill>
-                  <a:schemeClr val="bg1"/>
-                </a:solidFill>
-                <a:latin typeface="Arial" panose="020B0604020202020204" pitchFamily="34" charset="0"/>
-                <a:cs typeface="Arial" panose="020B0604020202020204" pitchFamily="34" charset="0"/>
-              </a:rPr>
-              <a:t>M</a:t>
+              <a:t>4.95 M</a:t>
             </a:r>
             <a:endParaRPr lang="en-US" altLang="ko-KR" sz="2400" b="1" dirty="0">
               <a:solidFill>
@@ -12578,7 +12521,7 @@
   <a:extraClrSchemeLst/>
   <a:extLst>
     <a:ext uri="{05A4C25C-085E-4340-85A3-A5531E510DB2}">
-      <thm15:themeFamily xmlns:thm15="http://schemas.microsoft.com/office/thememl/2012/main" name="Office Theme" id="{62F939B6-93AF-4DB8-9C6B-D6C7DFDC589F}" vid="{4A3C46E8-61CC-4603-A589-7422A47A8E4A}"/>
+      <thm15:themeFamily xmlns:thm15="http://schemas.microsoft.com/office/thememl/2012/main" xmlns="" name="Office Theme" id="{62F939B6-93AF-4DB8-9C6B-D6C7DFDC589F}" vid="{4A3C46E8-61CC-4603-A589-7422A47A8E4A}"/>
     </a:ext>
   </a:extLst>
 </a:theme>
@@ -12839,7 +12782,7 @@
   <a:extraClrSchemeLst/>
   <a:extLst>
     <a:ext uri="{05A4C25C-085E-4340-85A3-A5531E510DB2}">
-      <thm15:themeFamily xmlns:thm15="http://schemas.microsoft.com/office/thememl/2012/main" name="Office Theme" id="{62F939B6-93AF-4DB8-9C6B-D6C7DFDC589F}" vid="{4A3C46E8-61CC-4603-A589-7422A47A8E4A}"/>
+      <thm15:themeFamily xmlns:thm15="http://schemas.microsoft.com/office/thememl/2012/main" xmlns="" name="Office Theme" id="{62F939B6-93AF-4DB8-9C6B-D6C7DFDC589F}" vid="{4A3C46E8-61CC-4603-A589-7422A47A8E4A}"/>
     </a:ext>
   </a:extLst>
 </a:theme>
